--- a/磷酸二酯酶抑制剂V2.pptx
+++ b/磷酸二酯酶抑制剂V2.pptx
@@ -41,28 +41,28 @@
   <p:notesSz cx="6858000" cy="9144000"/>
   <p:embeddedFontLst>
     <p:embeddedFont>
-      <p:font typeface="Open Sans" panose="020B0606030504020204" pitchFamily="34" charset="0"/>
+      <p:font typeface="Rockwell" panose="02060603020205020403" pitchFamily="18" charset="0"/>
       <p:regular r:id="rId31"/>
       <p:bold r:id="rId32"/>
       <p:italic r:id="rId33"/>
       <p:boldItalic r:id="rId34"/>
     </p:embeddedFont>
     <p:embeddedFont>
-      <p:font typeface="Rockwell" panose="02060603020205020403" pitchFamily="18" charset="0"/>
+      <p:font typeface="等线" panose="02010600030101010101" pitchFamily="2" charset="-122"/>
       <p:regular r:id="rId35"/>
       <p:bold r:id="rId36"/>
-      <p:italic r:id="rId37"/>
-      <p:boldItalic r:id="rId38"/>
-    </p:embeddedFont>
-    <p:embeddedFont>
-      <p:font typeface="等线" panose="02010600030101010101" pitchFamily="2" charset="-122"/>
-      <p:regular r:id="rId39"/>
-      <p:bold r:id="rId40"/>
     </p:embeddedFont>
     <p:embeddedFont>
       <p:font typeface="微软雅黑" panose="020B0503020204020204" pitchFamily="34" charset="-122"/>
-      <p:regular r:id="rId41"/>
-      <p:bold r:id="rId42"/>
+      <p:regular r:id="rId37"/>
+      <p:bold r:id="rId38"/>
+    </p:embeddedFont>
+    <p:embeddedFont>
+      <p:font typeface="Open Sans" panose="020B0606030504020204" pitchFamily="34" charset="0"/>
+      <p:regular r:id="rId39"/>
+      <p:bold r:id="rId40"/>
+      <p:italic r:id="rId41"/>
+      <p:boldItalic r:id="rId42"/>
     </p:embeddedFont>
     <p:embeddedFont>
       <p:font typeface="方正姚体" panose="02010601030101010101" pitchFamily="2" charset="-122"/>
@@ -270,7 +270,7 @@
           <a:p>
             <a:fld id="{D00E5CBA-AC3B-4620-A228-D852B753773F}" type="datetimeFigureOut">
               <a:rPr lang="zh-CN" altLang="en-US" smtClean="0"/>
-              <a:t>2016/12/14</a:t>
+              <a:t>2016/12/15</a:t>
             </a:fld>
             <a:endParaRPr lang="zh-CN" altLang="en-US"/>
           </a:p>
@@ -1027,7 +1027,7 @@
           <a:p>
             <a:fld id="{E1D3D8C6-E147-4F93-8A0C-38A671D22306}" type="datetime1">
               <a:rPr lang="zh-CN" altLang="en-US" smtClean="0"/>
-              <a:t>2016/12/14</a:t>
+              <a:t>2016/12/15</a:t>
             </a:fld>
             <a:endParaRPr lang="zh-CN" altLang="en-US"/>
           </a:p>
@@ -1221,7 +1221,7 @@
           <a:p>
             <a:fld id="{0128EE73-7B6A-4787-BD14-B3C6A247F166}" type="datetime1">
               <a:rPr lang="zh-CN" altLang="en-US" smtClean="0"/>
-              <a:t>2016/12/14</a:t>
+              <a:t>2016/12/15</a:t>
             </a:fld>
             <a:endParaRPr lang="zh-CN" altLang="en-US"/>
           </a:p>
@@ -1415,7 +1415,7 @@
           <a:p>
             <a:fld id="{1AF198E9-95A9-46E7-AAC7-AA17BEA448B6}" type="datetime1">
               <a:rPr lang="zh-CN" altLang="en-US" smtClean="0"/>
-              <a:t>2016/12/14</a:t>
+              <a:t>2016/12/15</a:t>
             </a:fld>
             <a:endParaRPr lang="zh-CN" altLang="en-US"/>
           </a:p>
@@ -1595,7 +1595,7 @@
           <a:p>
             <a:fld id="{BF4B720E-C183-4924-8A51-F517201E4F2E}" type="datetime1">
               <a:rPr lang="zh-CN" altLang="en-US" smtClean="0"/>
-              <a:t>2016/12/14</a:t>
+              <a:t>2016/12/15</a:t>
             </a:fld>
             <a:endParaRPr lang="zh-CN" altLang="en-US"/>
           </a:p>
@@ -1930,7 +1930,7 @@
           <a:p>
             <a:fld id="{C2CE47A8-C9F5-4C64-9B2A-FE454B19E975}" type="datetime1">
               <a:rPr lang="zh-CN" altLang="en-US" smtClean="0"/>
-              <a:t>2016/12/14</a:t>
+              <a:t>2016/12/15</a:t>
             </a:fld>
             <a:endParaRPr lang="zh-CN" altLang="en-US"/>
           </a:p>
@@ -2338,7 +2338,7 @@
           <a:p>
             <a:fld id="{2CEE8D1A-8460-4189-B2D2-CB38A47F046A}" type="datetime1">
               <a:rPr lang="zh-CN" altLang="en-US" smtClean="0"/>
-              <a:t>2016/12/14</a:t>
+              <a:t>2016/12/15</a:t>
             </a:fld>
             <a:endParaRPr lang="zh-CN" altLang="en-US"/>
           </a:p>
@@ -2782,7 +2782,7 @@
           <a:p>
             <a:fld id="{CD83EAC2-FE7E-4470-A394-27F3F37EEC5D}" type="datetime1">
               <a:rPr lang="zh-CN" altLang="en-US" smtClean="0"/>
-              <a:t>2016/12/14</a:t>
+              <a:t>2016/12/15</a:t>
             </a:fld>
             <a:endParaRPr lang="zh-CN" altLang="en-US"/>
           </a:p>
@@ -2920,7 +2920,7 @@
           <a:p>
             <a:fld id="{C7EB99D5-AA32-4264-ADF7-C2D44C66782B}" type="datetime1">
               <a:rPr lang="zh-CN" altLang="en-US" smtClean="0"/>
-              <a:t>2016/12/14</a:t>
+              <a:t>2016/12/15</a:t>
             </a:fld>
             <a:endParaRPr lang="zh-CN" altLang="en-US"/>
           </a:p>
@@ -3035,7 +3035,7 @@
           <a:p>
             <a:fld id="{5C3521AB-15EA-40FD-BB3A-7BE473777904}" type="datetime1">
               <a:rPr lang="zh-CN" altLang="en-US" smtClean="0"/>
-              <a:t>2016/12/14</a:t>
+              <a:t>2016/12/15</a:t>
             </a:fld>
             <a:endParaRPr lang="zh-CN" altLang="en-US"/>
           </a:p>
@@ -3486,7 +3486,7 @@
           <a:p>
             <a:fld id="{FA955FAB-BE11-4CF8-90D8-47D0047E074D}" type="datetime1">
               <a:rPr lang="zh-CN" altLang="en-US" smtClean="0"/>
-              <a:t>2016/12/14</a:t>
+              <a:t>2016/12/15</a:t>
             </a:fld>
             <a:endParaRPr lang="zh-CN" altLang="en-US"/>
           </a:p>
@@ -3923,7 +3923,7 @@
           <a:p>
             <a:fld id="{8B400E41-E7D6-4560-AFBE-03D6F3FE1040}" type="datetime1">
               <a:rPr lang="zh-CN" altLang="en-US" smtClean="0"/>
-              <a:t>2016/12/14</a:t>
+              <a:t>2016/12/15</a:t>
             </a:fld>
             <a:endParaRPr lang="zh-CN" altLang="en-US"/>
           </a:p>
@@ -4218,7 +4218,7 @@
           <a:p>
             <a:fld id="{AA63569F-B322-460F-A696-CA5867DFF270}" type="datetime1">
               <a:rPr lang="zh-CN" altLang="en-US" smtClean="0"/>
-              <a:t>2016/12/14</a:t>
+              <a:t>2016/12/15</a:t>
             </a:fld>
             <a:endParaRPr lang="zh-CN" altLang="en-US"/>
           </a:p>
@@ -9354,21 +9354,21 @@
                 <a:latin typeface="微软雅黑" panose="020B0503020204020204" pitchFamily="34" charset="-122"/>
                 <a:ea typeface="微软雅黑" panose="020B0503020204020204" pitchFamily="34" charset="-122"/>
               </a:rPr>
-              <a:t>在化合物</a:t>
-            </a:r>
-            <a:r>
-              <a:rPr lang="en-US" altLang="zh-CN" sz="2400" dirty="0" smtClean="0">
-                <a:latin typeface="微软雅黑" panose="020B0503020204020204" pitchFamily="34" charset="-122"/>
-                <a:ea typeface="微软雅黑" panose="020B0503020204020204" pitchFamily="34" charset="-122"/>
-              </a:rPr>
-              <a:t>(10)</a:t>
+              <a:t>在</a:t>
             </a:r>
             <a:r>
               <a:rPr lang="zh-CN" altLang="en-US" sz="2400" dirty="0" smtClean="0">
                 <a:latin typeface="微软雅黑" panose="020B0503020204020204" pitchFamily="34" charset="-122"/>
                 <a:ea typeface="微软雅黑" panose="020B0503020204020204" pitchFamily="34" charset="-122"/>
               </a:rPr>
-              <a:t>的基础上</a:t>
+              <a:t>化合物的</a:t>
+            </a:r>
+            <a:r>
+              <a:rPr lang="zh-CN" altLang="en-US" sz="2400" dirty="0" smtClean="0">
+                <a:latin typeface="微软雅黑" panose="020B0503020204020204" pitchFamily="34" charset="-122"/>
+                <a:ea typeface="微软雅黑" panose="020B0503020204020204" pitchFamily="34" charset="-122"/>
+              </a:rPr>
+              <a:t>基础上</a:t>
             </a:r>
             <a:r>
               <a:rPr lang="en-US" altLang="zh-CN" sz="2400" dirty="0" smtClean="0">
@@ -15110,14 +15110,7 @@
                 <a:latin typeface="微软雅黑" panose="020B0503020204020204" pitchFamily="34" charset="-122"/>
                 <a:ea typeface="微软雅黑" panose="020B0503020204020204" pitchFamily="34" charset="-122"/>
               </a:rPr>
-              <a:t>：</a:t>
-            </a:r>
-            <a:r>
-              <a:rPr lang="zh-CN" altLang="en-US" dirty="0">
-                <a:latin typeface="微软雅黑" panose="020B0503020204020204" pitchFamily="34" charset="-122"/>
-                <a:ea typeface="微软雅黑" panose="020B0503020204020204" pitchFamily="34" charset="-122"/>
-              </a:rPr>
-              <a:t>为</a:t>
+              <a:t>：为</a:t>
             </a:r>
             <a:r>
               <a:rPr lang="en-US" altLang="zh-CN" dirty="0" err="1">
@@ -15240,14 +15233,7 @@
                 <a:latin typeface="微软雅黑" panose="020B0503020204020204" pitchFamily="34" charset="-122"/>
                 <a:ea typeface="微软雅黑" panose="020B0503020204020204" pitchFamily="34" charset="-122"/>
               </a:rPr>
-              <a:t>：</a:t>
-            </a:r>
-            <a:r>
-              <a:rPr lang="zh-CN" altLang="en-US" dirty="0">
-                <a:latin typeface="微软雅黑" panose="020B0503020204020204" pitchFamily="34" charset="-122"/>
-                <a:ea typeface="微软雅黑" panose="020B0503020204020204" pitchFamily="34" charset="-122"/>
-              </a:rPr>
-              <a:t>视网膜特有</a:t>
+              <a:t>：视网膜特有</a:t>
             </a:r>
             <a:r>
               <a:rPr lang="en-US" altLang="zh-CN" dirty="0">
@@ -15391,14 +15377,7 @@
                 <a:latin typeface="微软雅黑" panose="020B0503020204020204" pitchFamily="34" charset="-122"/>
                 <a:ea typeface="微软雅黑" panose="020B0503020204020204" pitchFamily="34" charset="-122"/>
               </a:rPr>
-              <a:t>：</a:t>
-            </a:r>
-            <a:r>
-              <a:rPr lang="zh-CN" altLang="en-US" dirty="0">
-                <a:latin typeface="微软雅黑" panose="020B0503020204020204" pitchFamily="34" charset="-122"/>
-                <a:ea typeface="微软雅黑" panose="020B0503020204020204" pitchFamily="34" charset="-122"/>
-              </a:rPr>
-              <a:t>视网膜特有</a:t>
+              <a:t>：视网膜特有</a:t>
             </a:r>
             <a:r>
               <a:rPr lang="en-US" altLang="zh-CN" dirty="0">
